--- a/Modelo conceitual/Ders.pptx
+++ b/Modelo conceitual/Ders.pptx
@@ -237,9 +237,9 @@
           <a:bodyPr/>
           <a:lstStyle/>
           <a:p>
-            <a:fld id="{B55A7716-3D56-4141-BE45-D22CEBD79324}" type="datetimeFigureOut">
-              <a:rPr lang="pt-BR" smtClean="0"/>
-              <a:t>21/05/2019</a:t>
+            <a:fld id="{30D85FBC-F13E-439A-953E-09BD6F5B9663}" type="datetimeFigureOut">
+              <a:rPr lang="pt-BR" smtClean="0"/>
+              <a:t>22/05/2019</a:t>
             </a:fld>
             <a:endParaRPr lang="pt-BR"/>
           </a:p>
@@ -279,7 +279,7 @@
           <a:bodyPr/>
           <a:lstStyle/>
           <a:p>
-            <a:fld id="{8F3C59F8-B756-44E6-ABF7-F1D282251EDB}" type="slidenum">
+            <a:fld id="{42A47D4D-7321-4C7E-8687-4BBF557F580C}" type="slidenum">
               <a:rPr lang="pt-BR" smtClean="0"/>
               <a:t>‹nº›</a:t>
             </a:fld>
@@ -290,7 +290,7 @@
     </p:spTree>
     <p:extLst>
       <p:ext uri="{BB962C8B-B14F-4D97-AF65-F5344CB8AC3E}">
-        <p14:creationId xmlns:p14="http://schemas.microsoft.com/office/powerpoint/2010/main" val="3569968267"/>
+        <p14:creationId xmlns:p14="http://schemas.microsoft.com/office/powerpoint/2010/main" val="1574206924"/>
       </p:ext>
     </p:extLst>
   </p:cSld>
@@ -407,9 +407,9 @@
           <a:bodyPr/>
           <a:lstStyle/>
           <a:p>
-            <a:fld id="{B55A7716-3D56-4141-BE45-D22CEBD79324}" type="datetimeFigureOut">
-              <a:rPr lang="pt-BR" smtClean="0"/>
-              <a:t>21/05/2019</a:t>
+            <a:fld id="{30D85FBC-F13E-439A-953E-09BD6F5B9663}" type="datetimeFigureOut">
+              <a:rPr lang="pt-BR" smtClean="0"/>
+              <a:t>22/05/2019</a:t>
             </a:fld>
             <a:endParaRPr lang="pt-BR"/>
           </a:p>
@@ -449,7 +449,7 @@
           <a:bodyPr/>
           <a:lstStyle/>
           <a:p>
-            <a:fld id="{8F3C59F8-B756-44E6-ABF7-F1D282251EDB}" type="slidenum">
+            <a:fld id="{42A47D4D-7321-4C7E-8687-4BBF557F580C}" type="slidenum">
               <a:rPr lang="pt-BR" smtClean="0"/>
               <a:t>‹nº›</a:t>
             </a:fld>
@@ -460,7 +460,7 @@
     </p:spTree>
     <p:extLst>
       <p:ext uri="{BB962C8B-B14F-4D97-AF65-F5344CB8AC3E}">
-        <p14:creationId xmlns:p14="http://schemas.microsoft.com/office/powerpoint/2010/main" val="3955282346"/>
+        <p14:creationId xmlns:p14="http://schemas.microsoft.com/office/powerpoint/2010/main" val="582622688"/>
       </p:ext>
     </p:extLst>
   </p:cSld>
@@ -587,9 +587,9 @@
           <a:bodyPr/>
           <a:lstStyle/>
           <a:p>
-            <a:fld id="{B55A7716-3D56-4141-BE45-D22CEBD79324}" type="datetimeFigureOut">
-              <a:rPr lang="pt-BR" smtClean="0"/>
-              <a:t>21/05/2019</a:t>
+            <a:fld id="{30D85FBC-F13E-439A-953E-09BD6F5B9663}" type="datetimeFigureOut">
+              <a:rPr lang="pt-BR" smtClean="0"/>
+              <a:t>22/05/2019</a:t>
             </a:fld>
             <a:endParaRPr lang="pt-BR"/>
           </a:p>
@@ -629,7 +629,7 @@
           <a:bodyPr/>
           <a:lstStyle/>
           <a:p>
-            <a:fld id="{8F3C59F8-B756-44E6-ABF7-F1D282251EDB}" type="slidenum">
+            <a:fld id="{42A47D4D-7321-4C7E-8687-4BBF557F580C}" type="slidenum">
               <a:rPr lang="pt-BR" smtClean="0"/>
               <a:t>‹nº›</a:t>
             </a:fld>
@@ -640,7 +640,7 @@
     </p:spTree>
     <p:extLst>
       <p:ext uri="{BB962C8B-B14F-4D97-AF65-F5344CB8AC3E}">
-        <p14:creationId xmlns:p14="http://schemas.microsoft.com/office/powerpoint/2010/main" val="3585541299"/>
+        <p14:creationId xmlns:p14="http://schemas.microsoft.com/office/powerpoint/2010/main" val="3808967440"/>
       </p:ext>
     </p:extLst>
   </p:cSld>
@@ -757,9 +757,9 @@
           <a:bodyPr/>
           <a:lstStyle/>
           <a:p>
-            <a:fld id="{B55A7716-3D56-4141-BE45-D22CEBD79324}" type="datetimeFigureOut">
-              <a:rPr lang="pt-BR" smtClean="0"/>
-              <a:t>21/05/2019</a:t>
+            <a:fld id="{30D85FBC-F13E-439A-953E-09BD6F5B9663}" type="datetimeFigureOut">
+              <a:rPr lang="pt-BR" smtClean="0"/>
+              <a:t>22/05/2019</a:t>
             </a:fld>
             <a:endParaRPr lang="pt-BR"/>
           </a:p>
@@ -799,7 +799,7 @@
           <a:bodyPr/>
           <a:lstStyle/>
           <a:p>
-            <a:fld id="{8F3C59F8-B756-44E6-ABF7-F1D282251EDB}" type="slidenum">
+            <a:fld id="{42A47D4D-7321-4C7E-8687-4BBF557F580C}" type="slidenum">
               <a:rPr lang="pt-BR" smtClean="0"/>
               <a:t>‹nº›</a:t>
             </a:fld>
@@ -810,7 +810,7 @@
     </p:spTree>
     <p:extLst>
       <p:ext uri="{BB962C8B-B14F-4D97-AF65-F5344CB8AC3E}">
-        <p14:creationId xmlns:p14="http://schemas.microsoft.com/office/powerpoint/2010/main" val="923587138"/>
+        <p14:creationId xmlns:p14="http://schemas.microsoft.com/office/powerpoint/2010/main" val="251192250"/>
       </p:ext>
     </p:extLst>
   </p:cSld>
@@ -1003,9 +1003,9 @@
           <a:bodyPr/>
           <a:lstStyle/>
           <a:p>
-            <a:fld id="{B55A7716-3D56-4141-BE45-D22CEBD79324}" type="datetimeFigureOut">
-              <a:rPr lang="pt-BR" smtClean="0"/>
-              <a:t>21/05/2019</a:t>
+            <a:fld id="{30D85FBC-F13E-439A-953E-09BD6F5B9663}" type="datetimeFigureOut">
+              <a:rPr lang="pt-BR" smtClean="0"/>
+              <a:t>22/05/2019</a:t>
             </a:fld>
             <a:endParaRPr lang="pt-BR"/>
           </a:p>
@@ -1045,7 +1045,7 @@
           <a:bodyPr/>
           <a:lstStyle/>
           <a:p>
-            <a:fld id="{8F3C59F8-B756-44E6-ABF7-F1D282251EDB}" type="slidenum">
+            <a:fld id="{42A47D4D-7321-4C7E-8687-4BBF557F580C}" type="slidenum">
               <a:rPr lang="pt-BR" smtClean="0"/>
               <a:t>‹nº›</a:t>
             </a:fld>
@@ -1056,7 +1056,7 @@
     </p:spTree>
     <p:extLst>
       <p:ext uri="{BB962C8B-B14F-4D97-AF65-F5344CB8AC3E}">
-        <p14:creationId xmlns:p14="http://schemas.microsoft.com/office/powerpoint/2010/main" val="3755560417"/>
+        <p14:creationId xmlns:p14="http://schemas.microsoft.com/office/powerpoint/2010/main" val="4175285564"/>
       </p:ext>
     </p:extLst>
   </p:cSld>
@@ -1235,9 +1235,9 @@
           <a:bodyPr/>
           <a:lstStyle/>
           <a:p>
-            <a:fld id="{B55A7716-3D56-4141-BE45-D22CEBD79324}" type="datetimeFigureOut">
-              <a:rPr lang="pt-BR" smtClean="0"/>
-              <a:t>21/05/2019</a:t>
+            <a:fld id="{30D85FBC-F13E-439A-953E-09BD6F5B9663}" type="datetimeFigureOut">
+              <a:rPr lang="pt-BR" smtClean="0"/>
+              <a:t>22/05/2019</a:t>
             </a:fld>
             <a:endParaRPr lang="pt-BR"/>
           </a:p>
@@ -1277,7 +1277,7 @@
           <a:bodyPr/>
           <a:lstStyle/>
           <a:p>
-            <a:fld id="{8F3C59F8-B756-44E6-ABF7-F1D282251EDB}" type="slidenum">
+            <a:fld id="{42A47D4D-7321-4C7E-8687-4BBF557F580C}" type="slidenum">
               <a:rPr lang="pt-BR" smtClean="0"/>
               <a:t>‹nº›</a:t>
             </a:fld>
@@ -1288,7 +1288,7 @@
     </p:spTree>
     <p:extLst>
       <p:ext uri="{BB962C8B-B14F-4D97-AF65-F5344CB8AC3E}">
-        <p14:creationId xmlns:p14="http://schemas.microsoft.com/office/powerpoint/2010/main" val="719495471"/>
+        <p14:creationId xmlns:p14="http://schemas.microsoft.com/office/powerpoint/2010/main" val="2669829037"/>
       </p:ext>
     </p:extLst>
   </p:cSld>
@@ -1602,9 +1602,9 @@
           <a:bodyPr/>
           <a:lstStyle/>
           <a:p>
-            <a:fld id="{B55A7716-3D56-4141-BE45-D22CEBD79324}" type="datetimeFigureOut">
-              <a:rPr lang="pt-BR" smtClean="0"/>
-              <a:t>21/05/2019</a:t>
+            <a:fld id="{30D85FBC-F13E-439A-953E-09BD6F5B9663}" type="datetimeFigureOut">
+              <a:rPr lang="pt-BR" smtClean="0"/>
+              <a:t>22/05/2019</a:t>
             </a:fld>
             <a:endParaRPr lang="pt-BR"/>
           </a:p>
@@ -1644,7 +1644,7 @@
           <a:bodyPr/>
           <a:lstStyle/>
           <a:p>
-            <a:fld id="{8F3C59F8-B756-44E6-ABF7-F1D282251EDB}" type="slidenum">
+            <a:fld id="{42A47D4D-7321-4C7E-8687-4BBF557F580C}" type="slidenum">
               <a:rPr lang="pt-BR" smtClean="0"/>
               <a:t>‹nº›</a:t>
             </a:fld>
@@ -1655,7 +1655,7 @@
     </p:spTree>
     <p:extLst>
       <p:ext uri="{BB962C8B-B14F-4D97-AF65-F5344CB8AC3E}">
-        <p14:creationId xmlns:p14="http://schemas.microsoft.com/office/powerpoint/2010/main" val="2475589104"/>
+        <p14:creationId xmlns:p14="http://schemas.microsoft.com/office/powerpoint/2010/main" val="10570835"/>
       </p:ext>
     </p:extLst>
   </p:cSld>
@@ -1720,9 +1720,9 @@
           <a:bodyPr/>
           <a:lstStyle/>
           <a:p>
-            <a:fld id="{B55A7716-3D56-4141-BE45-D22CEBD79324}" type="datetimeFigureOut">
-              <a:rPr lang="pt-BR" smtClean="0"/>
-              <a:t>21/05/2019</a:t>
+            <a:fld id="{30D85FBC-F13E-439A-953E-09BD6F5B9663}" type="datetimeFigureOut">
+              <a:rPr lang="pt-BR" smtClean="0"/>
+              <a:t>22/05/2019</a:t>
             </a:fld>
             <a:endParaRPr lang="pt-BR"/>
           </a:p>
@@ -1762,7 +1762,7 @@
           <a:bodyPr/>
           <a:lstStyle/>
           <a:p>
-            <a:fld id="{8F3C59F8-B756-44E6-ABF7-F1D282251EDB}" type="slidenum">
+            <a:fld id="{42A47D4D-7321-4C7E-8687-4BBF557F580C}" type="slidenum">
               <a:rPr lang="pt-BR" smtClean="0"/>
               <a:t>‹nº›</a:t>
             </a:fld>
@@ -1773,7 +1773,7 @@
     </p:spTree>
     <p:extLst>
       <p:ext uri="{BB962C8B-B14F-4D97-AF65-F5344CB8AC3E}">
-        <p14:creationId xmlns:p14="http://schemas.microsoft.com/office/powerpoint/2010/main" val="621140266"/>
+        <p14:creationId xmlns:p14="http://schemas.microsoft.com/office/powerpoint/2010/main" val="696429206"/>
       </p:ext>
     </p:extLst>
   </p:cSld>
@@ -1815,9 +1815,9 @@
           <a:bodyPr/>
           <a:lstStyle/>
           <a:p>
-            <a:fld id="{B55A7716-3D56-4141-BE45-D22CEBD79324}" type="datetimeFigureOut">
-              <a:rPr lang="pt-BR" smtClean="0"/>
-              <a:t>21/05/2019</a:t>
+            <a:fld id="{30D85FBC-F13E-439A-953E-09BD6F5B9663}" type="datetimeFigureOut">
+              <a:rPr lang="pt-BR" smtClean="0"/>
+              <a:t>22/05/2019</a:t>
             </a:fld>
             <a:endParaRPr lang="pt-BR"/>
           </a:p>
@@ -1857,7 +1857,7 @@
           <a:bodyPr/>
           <a:lstStyle/>
           <a:p>
-            <a:fld id="{8F3C59F8-B756-44E6-ABF7-F1D282251EDB}" type="slidenum">
+            <a:fld id="{42A47D4D-7321-4C7E-8687-4BBF557F580C}" type="slidenum">
               <a:rPr lang="pt-BR" smtClean="0"/>
               <a:t>‹nº›</a:t>
             </a:fld>
@@ -1868,7 +1868,7 @@
     </p:spTree>
     <p:extLst>
       <p:ext uri="{BB962C8B-B14F-4D97-AF65-F5344CB8AC3E}">
-        <p14:creationId xmlns:p14="http://schemas.microsoft.com/office/powerpoint/2010/main" val="544203227"/>
+        <p14:creationId xmlns:p14="http://schemas.microsoft.com/office/powerpoint/2010/main" val="1260398121"/>
       </p:ext>
     </p:extLst>
   </p:cSld>
@@ -2092,9 +2092,9 @@
           <a:bodyPr/>
           <a:lstStyle/>
           <a:p>
-            <a:fld id="{B55A7716-3D56-4141-BE45-D22CEBD79324}" type="datetimeFigureOut">
-              <a:rPr lang="pt-BR" smtClean="0"/>
-              <a:t>21/05/2019</a:t>
+            <a:fld id="{30D85FBC-F13E-439A-953E-09BD6F5B9663}" type="datetimeFigureOut">
+              <a:rPr lang="pt-BR" smtClean="0"/>
+              <a:t>22/05/2019</a:t>
             </a:fld>
             <a:endParaRPr lang="pt-BR"/>
           </a:p>
@@ -2134,7 +2134,7 @@
           <a:bodyPr/>
           <a:lstStyle/>
           <a:p>
-            <a:fld id="{8F3C59F8-B756-44E6-ABF7-F1D282251EDB}" type="slidenum">
+            <a:fld id="{42A47D4D-7321-4C7E-8687-4BBF557F580C}" type="slidenum">
               <a:rPr lang="pt-BR" smtClean="0"/>
               <a:t>‹nº›</a:t>
             </a:fld>
@@ -2145,7 +2145,7 @@
     </p:spTree>
     <p:extLst>
       <p:ext uri="{BB962C8B-B14F-4D97-AF65-F5344CB8AC3E}">
-        <p14:creationId xmlns:p14="http://schemas.microsoft.com/office/powerpoint/2010/main" val="4069292315"/>
+        <p14:creationId xmlns:p14="http://schemas.microsoft.com/office/powerpoint/2010/main" val="3284327899"/>
       </p:ext>
     </p:extLst>
   </p:cSld>
@@ -2345,9 +2345,9 @@
           <a:bodyPr/>
           <a:lstStyle/>
           <a:p>
-            <a:fld id="{B55A7716-3D56-4141-BE45-D22CEBD79324}" type="datetimeFigureOut">
-              <a:rPr lang="pt-BR" smtClean="0"/>
-              <a:t>21/05/2019</a:t>
+            <a:fld id="{30D85FBC-F13E-439A-953E-09BD6F5B9663}" type="datetimeFigureOut">
+              <a:rPr lang="pt-BR" smtClean="0"/>
+              <a:t>22/05/2019</a:t>
             </a:fld>
             <a:endParaRPr lang="pt-BR"/>
           </a:p>
@@ -2387,7 +2387,7 @@
           <a:bodyPr/>
           <a:lstStyle/>
           <a:p>
-            <a:fld id="{8F3C59F8-B756-44E6-ABF7-F1D282251EDB}" type="slidenum">
+            <a:fld id="{42A47D4D-7321-4C7E-8687-4BBF557F580C}" type="slidenum">
               <a:rPr lang="pt-BR" smtClean="0"/>
               <a:t>‹nº›</a:t>
             </a:fld>
@@ -2398,7 +2398,7 @@
     </p:spTree>
     <p:extLst>
       <p:ext uri="{BB962C8B-B14F-4D97-AF65-F5344CB8AC3E}">
-        <p14:creationId xmlns:p14="http://schemas.microsoft.com/office/powerpoint/2010/main" val="2649197715"/>
+        <p14:creationId xmlns:p14="http://schemas.microsoft.com/office/powerpoint/2010/main" val="1355924343"/>
       </p:ext>
     </p:extLst>
   </p:cSld>
@@ -2558,9 +2558,9 @@
             </a:lvl1pPr>
           </a:lstStyle>
           <a:p>
-            <a:fld id="{B55A7716-3D56-4141-BE45-D22CEBD79324}" type="datetimeFigureOut">
-              <a:rPr lang="pt-BR" smtClean="0"/>
-              <a:t>21/05/2019</a:t>
+            <a:fld id="{30D85FBC-F13E-439A-953E-09BD6F5B9663}" type="datetimeFigureOut">
+              <a:rPr lang="pt-BR" smtClean="0"/>
+              <a:t>22/05/2019</a:t>
             </a:fld>
             <a:endParaRPr lang="pt-BR"/>
           </a:p>
@@ -2636,7 +2636,7 @@
             </a:lvl1pPr>
           </a:lstStyle>
           <a:p>
-            <a:fld id="{8F3C59F8-B756-44E6-ABF7-F1D282251EDB}" type="slidenum">
+            <a:fld id="{42A47D4D-7321-4C7E-8687-4BBF557F580C}" type="slidenum">
               <a:rPr lang="pt-BR" smtClean="0"/>
               <a:t>‹nº›</a:t>
             </a:fld>
@@ -2647,7 +2647,7 @@
     </p:spTree>
     <p:extLst>
       <p:ext uri="{BB962C8B-B14F-4D97-AF65-F5344CB8AC3E}">
-        <p14:creationId xmlns:p14="http://schemas.microsoft.com/office/powerpoint/2010/main" val="3951791982"/>
+        <p14:creationId xmlns:p14="http://schemas.microsoft.com/office/powerpoint/2010/main" val="1984567867"/>
       </p:ext>
     </p:extLst>
   </p:cSld>
@@ -2987,8 +2987,8 @@
         </p:blipFill>
         <p:spPr>
           <a:xfrm>
-            <a:off x="3764920" y="62630"/>
-            <a:ext cx="5899678" cy="6745266"/>
+            <a:off x="1590935" y="1553224"/>
+            <a:ext cx="8296275" cy="4371975"/>
           </a:xfrm>
           <a:prstGeom prst="rect">
             <a:avLst/>
@@ -3003,8 +3003,8 @@
         </p:nvSpPr>
         <p:spPr>
           <a:xfrm>
-            <a:off x="125260" y="75156"/>
-            <a:ext cx="3271024" cy="369332"/>
+            <a:off x="3984522" y="338203"/>
+            <a:ext cx="3562770" cy="369332"/>
           </a:xfrm>
           <a:prstGeom prst="rect">
             <a:avLst/>
@@ -3019,7 +3019,7 @@
           <a:p>
             <a:r>
               <a:rPr lang="pt-BR" b="1" dirty="0" smtClean="0"/>
-              <a:t>Modelo conceitual Atendimento</a:t>
+              <a:t>Modelo conceitual de Atendimento</a:t>
             </a:r>
             <a:endParaRPr lang="pt-BR" b="1" dirty="0"/>
           </a:p>
@@ -3028,7 +3028,7 @@
     </p:spTree>
     <p:extLst>
       <p:ext uri="{BB962C8B-B14F-4D97-AF65-F5344CB8AC3E}">
-        <p14:creationId xmlns:p14="http://schemas.microsoft.com/office/powerpoint/2010/main" val="3223099032"/>
+        <p14:creationId xmlns:p14="http://schemas.microsoft.com/office/powerpoint/2010/main" val="2542280686"/>
       </p:ext>
     </p:extLst>
   </p:cSld>
@@ -3057,7 +3057,7 @@
       </p:grpSpPr>
       <p:pic>
         <p:nvPicPr>
-          <p:cNvPr id="4" name="Imagem 3"/>
+          <p:cNvPr id="6" name="Imagem 5"/>
           <p:cNvPicPr>
             <a:picLocks noChangeAspect="1"/>
           </p:cNvPicPr>
@@ -3077,8 +3077,8 @@
         </p:blipFill>
         <p:spPr>
           <a:xfrm>
-            <a:off x="3933180" y="108888"/>
-            <a:ext cx="5181244" cy="6680220"/>
+            <a:off x="3662414" y="713983"/>
+            <a:ext cx="4503804" cy="5806791"/>
           </a:xfrm>
           <a:prstGeom prst="rect">
             <a:avLst/>
@@ -3087,14 +3087,14 @@
       </p:pic>
       <p:sp>
         <p:nvSpPr>
-          <p:cNvPr id="5" name="CaixaDeTexto 4"/>
+          <p:cNvPr id="7" name="CaixaDeTexto 6"/>
           <p:cNvSpPr txBox="1"/>
           <p:nvPr/>
         </p:nvSpPr>
         <p:spPr>
           <a:xfrm>
-            <a:off x="137787" y="108888"/>
-            <a:ext cx="2698816" cy="369332"/>
+            <a:off x="4070959" y="200416"/>
+            <a:ext cx="2990562" cy="369332"/>
           </a:xfrm>
           <a:prstGeom prst="rect">
             <a:avLst/>
@@ -3109,7 +3109,7 @@
           <a:p>
             <a:r>
               <a:rPr lang="pt-BR" b="1" dirty="0" smtClean="0"/>
-              <a:t>Modelo conceitual Reparo</a:t>
+              <a:t>Modelo conceitual de Reparo</a:t>
             </a:r>
             <a:endParaRPr lang="pt-BR" b="1" dirty="0"/>
           </a:p>
@@ -3118,7 +3118,7 @@
     </p:spTree>
     <p:extLst>
       <p:ext uri="{BB962C8B-B14F-4D97-AF65-F5344CB8AC3E}">
-        <p14:creationId xmlns:p14="http://schemas.microsoft.com/office/powerpoint/2010/main" val="3816879611"/>
+        <p14:creationId xmlns:p14="http://schemas.microsoft.com/office/powerpoint/2010/main" val="2117290865"/>
       </p:ext>
     </p:extLst>
   </p:cSld>

--- a/Modelo conceitual/Ders.pptx
+++ b/Modelo conceitual/Ders.pptx
@@ -6,7 +6,6 @@
   </p:sldMasterIdLst>
   <p:sldIdLst>
     <p:sldId id="256" r:id="rId2"/>
-    <p:sldId id="257" r:id="rId3"/>
   </p:sldIdLst>
   <p:sldSz cx="12192000" cy="6858000"/>
   <p:notesSz cx="6858000" cy="9144000"/>
@@ -239,6 +238,7 @@
           <a:p>
             <a:fld id="{30D85FBC-F13E-439A-953E-09BD6F5B9663}" type="datetimeFigureOut">
               <a:rPr lang="pt-BR" smtClean="0"/>
+              <a:pPr/>
               <a:t>22/05/2019</a:t>
             </a:fld>
             <a:endParaRPr lang="pt-BR"/>
@@ -281,6 +281,7 @@
           <a:p>
             <a:fld id="{42A47D4D-7321-4C7E-8687-4BBF557F580C}" type="slidenum">
               <a:rPr lang="pt-BR" smtClean="0"/>
+              <a:pPr/>
               <a:t>‹nº›</a:t>
             </a:fld>
             <a:endParaRPr lang="pt-BR"/>
@@ -290,7 +291,7 @@
     </p:spTree>
     <p:extLst>
       <p:ext uri="{BB962C8B-B14F-4D97-AF65-F5344CB8AC3E}">
-        <p14:creationId xmlns:p14="http://schemas.microsoft.com/office/powerpoint/2010/main" val="1574206924"/>
+        <p14:creationId xmlns:p14="http://schemas.microsoft.com/office/powerpoint/2010/main" xmlns="" val="1574206924"/>
       </p:ext>
     </p:extLst>
   </p:cSld>
@@ -409,6 +410,7 @@
           <a:p>
             <a:fld id="{30D85FBC-F13E-439A-953E-09BD6F5B9663}" type="datetimeFigureOut">
               <a:rPr lang="pt-BR" smtClean="0"/>
+              <a:pPr/>
               <a:t>22/05/2019</a:t>
             </a:fld>
             <a:endParaRPr lang="pt-BR"/>
@@ -451,6 +453,7 @@
           <a:p>
             <a:fld id="{42A47D4D-7321-4C7E-8687-4BBF557F580C}" type="slidenum">
               <a:rPr lang="pt-BR" smtClean="0"/>
+              <a:pPr/>
               <a:t>‹nº›</a:t>
             </a:fld>
             <a:endParaRPr lang="pt-BR"/>
@@ -460,7 +463,7 @@
     </p:spTree>
     <p:extLst>
       <p:ext uri="{BB962C8B-B14F-4D97-AF65-F5344CB8AC3E}">
-        <p14:creationId xmlns:p14="http://schemas.microsoft.com/office/powerpoint/2010/main" val="582622688"/>
+        <p14:creationId xmlns:p14="http://schemas.microsoft.com/office/powerpoint/2010/main" xmlns="" val="582622688"/>
       </p:ext>
     </p:extLst>
   </p:cSld>
@@ -589,6 +592,7 @@
           <a:p>
             <a:fld id="{30D85FBC-F13E-439A-953E-09BD6F5B9663}" type="datetimeFigureOut">
               <a:rPr lang="pt-BR" smtClean="0"/>
+              <a:pPr/>
               <a:t>22/05/2019</a:t>
             </a:fld>
             <a:endParaRPr lang="pt-BR"/>
@@ -631,6 +635,7 @@
           <a:p>
             <a:fld id="{42A47D4D-7321-4C7E-8687-4BBF557F580C}" type="slidenum">
               <a:rPr lang="pt-BR" smtClean="0"/>
+              <a:pPr/>
               <a:t>‹nº›</a:t>
             </a:fld>
             <a:endParaRPr lang="pt-BR"/>
@@ -640,7 +645,7 @@
     </p:spTree>
     <p:extLst>
       <p:ext uri="{BB962C8B-B14F-4D97-AF65-F5344CB8AC3E}">
-        <p14:creationId xmlns:p14="http://schemas.microsoft.com/office/powerpoint/2010/main" val="3808967440"/>
+        <p14:creationId xmlns:p14="http://schemas.microsoft.com/office/powerpoint/2010/main" xmlns="" val="3808967440"/>
       </p:ext>
     </p:extLst>
   </p:cSld>
@@ -759,6 +764,7 @@
           <a:p>
             <a:fld id="{30D85FBC-F13E-439A-953E-09BD6F5B9663}" type="datetimeFigureOut">
               <a:rPr lang="pt-BR" smtClean="0"/>
+              <a:pPr/>
               <a:t>22/05/2019</a:t>
             </a:fld>
             <a:endParaRPr lang="pt-BR"/>
@@ -801,6 +807,7 @@
           <a:p>
             <a:fld id="{42A47D4D-7321-4C7E-8687-4BBF557F580C}" type="slidenum">
               <a:rPr lang="pt-BR" smtClean="0"/>
+              <a:pPr/>
               <a:t>‹nº›</a:t>
             </a:fld>
             <a:endParaRPr lang="pt-BR"/>
@@ -810,7 +817,7 @@
     </p:spTree>
     <p:extLst>
       <p:ext uri="{BB962C8B-B14F-4D97-AF65-F5344CB8AC3E}">
-        <p14:creationId xmlns:p14="http://schemas.microsoft.com/office/powerpoint/2010/main" val="251192250"/>
+        <p14:creationId xmlns:p14="http://schemas.microsoft.com/office/powerpoint/2010/main" xmlns="" val="251192250"/>
       </p:ext>
     </p:extLst>
   </p:cSld>
@@ -1005,6 +1012,7 @@
           <a:p>
             <a:fld id="{30D85FBC-F13E-439A-953E-09BD6F5B9663}" type="datetimeFigureOut">
               <a:rPr lang="pt-BR" smtClean="0"/>
+              <a:pPr/>
               <a:t>22/05/2019</a:t>
             </a:fld>
             <a:endParaRPr lang="pt-BR"/>
@@ -1047,6 +1055,7 @@
           <a:p>
             <a:fld id="{42A47D4D-7321-4C7E-8687-4BBF557F580C}" type="slidenum">
               <a:rPr lang="pt-BR" smtClean="0"/>
+              <a:pPr/>
               <a:t>‹nº›</a:t>
             </a:fld>
             <a:endParaRPr lang="pt-BR"/>
@@ -1056,7 +1065,7 @@
     </p:spTree>
     <p:extLst>
       <p:ext uri="{BB962C8B-B14F-4D97-AF65-F5344CB8AC3E}">
-        <p14:creationId xmlns:p14="http://schemas.microsoft.com/office/powerpoint/2010/main" val="4175285564"/>
+        <p14:creationId xmlns:p14="http://schemas.microsoft.com/office/powerpoint/2010/main" xmlns="" val="4175285564"/>
       </p:ext>
     </p:extLst>
   </p:cSld>
@@ -1237,6 +1246,7 @@
           <a:p>
             <a:fld id="{30D85FBC-F13E-439A-953E-09BD6F5B9663}" type="datetimeFigureOut">
               <a:rPr lang="pt-BR" smtClean="0"/>
+              <a:pPr/>
               <a:t>22/05/2019</a:t>
             </a:fld>
             <a:endParaRPr lang="pt-BR"/>
@@ -1279,6 +1289,7 @@
           <a:p>
             <a:fld id="{42A47D4D-7321-4C7E-8687-4BBF557F580C}" type="slidenum">
               <a:rPr lang="pt-BR" smtClean="0"/>
+              <a:pPr/>
               <a:t>‹nº›</a:t>
             </a:fld>
             <a:endParaRPr lang="pt-BR"/>
@@ -1288,7 +1299,7 @@
     </p:spTree>
     <p:extLst>
       <p:ext uri="{BB962C8B-B14F-4D97-AF65-F5344CB8AC3E}">
-        <p14:creationId xmlns:p14="http://schemas.microsoft.com/office/powerpoint/2010/main" val="2669829037"/>
+        <p14:creationId xmlns:p14="http://schemas.microsoft.com/office/powerpoint/2010/main" xmlns="" val="2669829037"/>
       </p:ext>
     </p:extLst>
   </p:cSld>
@@ -1604,6 +1615,7 @@
           <a:p>
             <a:fld id="{30D85FBC-F13E-439A-953E-09BD6F5B9663}" type="datetimeFigureOut">
               <a:rPr lang="pt-BR" smtClean="0"/>
+              <a:pPr/>
               <a:t>22/05/2019</a:t>
             </a:fld>
             <a:endParaRPr lang="pt-BR"/>
@@ -1646,6 +1658,7 @@
           <a:p>
             <a:fld id="{42A47D4D-7321-4C7E-8687-4BBF557F580C}" type="slidenum">
               <a:rPr lang="pt-BR" smtClean="0"/>
+              <a:pPr/>
               <a:t>‹nº›</a:t>
             </a:fld>
             <a:endParaRPr lang="pt-BR"/>
@@ -1655,7 +1668,7 @@
     </p:spTree>
     <p:extLst>
       <p:ext uri="{BB962C8B-B14F-4D97-AF65-F5344CB8AC3E}">
-        <p14:creationId xmlns:p14="http://schemas.microsoft.com/office/powerpoint/2010/main" val="10570835"/>
+        <p14:creationId xmlns:p14="http://schemas.microsoft.com/office/powerpoint/2010/main" xmlns="" val="10570835"/>
       </p:ext>
     </p:extLst>
   </p:cSld>
@@ -1722,6 +1735,7 @@
           <a:p>
             <a:fld id="{30D85FBC-F13E-439A-953E-09BD6F5B9663}" type="datetimeFigureOut">
               <a:rPr lang="pt-BR" smtClean="0"/>
+              <a:pPr/>
               <a:t>22/05/2019</a:t>
             </a:fld>
             <a:endParaRPr lang="pt-BR"/>
@@ -1764,6 +1778,7 @@
           <a:p>
             <a:fld id="{42A47D4D-7321-4C7E-8687-4BBF557F580C}" type="slidenum">
               <a:rPr lang="pt-BR" smtClean="0"/>
+              <a:pPr/>
               <a:t>‹nº›</a:t>
             </a:fld>
             <a:endParaRPr lang="pt-BR"/>
@@ -1773,7 +1788,7 @@
     </p:spTree>
     <p:extLst>
       <p:ext uri="{BB962C8B-B14F-4D97-AF65-F5344CB8AC3E}">
-        <p14:creationId xmlns:p14="http://schemas.microsoft.com/office/powerpoint/2010/main" val="696429206"/>
+        <p14:creationId xmlns:p14="http://schemas.microsoft.com/office/powerpoint/2010/main" xmlns="" val="696429206"/>
       </p:ext>
     </p:extLst>
   </p:cSld>
@@ -1817,6 +1832,7 @@
           <a:p>
             <a:fld id="{30D85FBC-F13E-439A-953E-09BD6F5B9663}" type="datetimeFigureOut">
               <a:rPr lang="pt-BR" smtClean="0"/>
+              <a:pPr/>
               <a:t>22/05/2019</a:t>
             </a:fld>
             <a:endParaRPr lang="pt-BR"/>
@@ -1859,6 +1875,7 @@
           <a:p>
             <a:fld id="{42A47D4D-7321-4C7E-8687-4BBF557F580C}" type="slidenum">
               <a:rPr lang="pt-BR" smtClean="0"/>
+              <a:pPr/>
               <a:t>‹nº›</a:t>
             </a:fld>
             <a:endParaRPr lang="pt-BR"/>
@@ -1868,7 +1885,7 @@
     </p:spTree>
     <p:extLst>
       <p:ext uri="{BB962C8B-B14F-4D97-AF65-F5344CB8AC3E}">
-        <p14:creationId xmlns:p14="http://schemas.microsoft.com/office/powerpoint/2010/main" val="1260398121"/>
+        <p14:creationId xmlns:p14="http://schemas.microsoft.com/office/powerpoint/2010/main" xmlns="" val="1260398121"/>
       </p:ext>
     </p:extLst>
   </p:cSld>
@@ -2094,6 +2111,7 @@
           <a:p>
             <a:fld id="{30D85FBC-F13E-439A-953E-09BD6F5B9663}" type="datetimeFigureOut">
               <a:rPr lang="pt-BR" smtClean="0"/>
+              <a:pPr/>
               <a:t>22/05/2019</a:t>
             </a:fld>
             <a:endParaRPr lang="pt-BR"/>
@@ -2136,6 +2154,7 @@
           <a:p>
             <a:fld id="{42A47D4D-7321-4C7E-8687-4BBF557F580C}" type="slidenum">
               <a:rPr lang="pt-BR" smtClean="0"/>
+              <a:pPr/>
               <a:t>‹nº›</a:t>
             </a:fld>
             <a:endParaRPr lang="pt-BR"/>
@@ -2145,7 +2164,7 @@
     </p:spTree>
     <p:extLst>
       <p:ext uri="{BB962C8B-B14F-4D97-AF65-F5344CB8AC3E}">
-        <p14:creationId xmlns:p14="http://schemas.microsoft.com/office/powerpoint/2010/main" val="3284327899"/>
+        <p14:creationId xmlns:p14="http://schemas.microsoft.com/office/powerpoint/2010/main" xmlns="" val="3284327899"/>
       </p:ext>
     </p:extLst>
   </p:cSld>
@@ -2347,6 +2366,7 @@
           <a:p>
             <a:fld id="{30D85FBC-F13E-439A-953E-09BD6F5B9663}" type="datetimeFigureOut">
               <a:rPr lang="pt-BR" smtClean="0"/>
+              <a:pPr/>
               <a:t>22/05/2019</a:t>
             </a:fld>
             <a:endParaRPr lang="pt-BR"/>
@@ -2389,6 +2409,7 @@
           <a:p>
             <a:fld id="{42A47D4D-7321-4C7E-8687-4BBF557F580C}" type="slidenum">
               <a:rPr lang="pt-BR" smtClean="0"/>
+              <a:pPr/>
               <a:t>‹nº›</a:t>
             </a:fld>
             <a:endParaRPr lang="pt-BR"/>
@@ -2398,7 +2419,7 @@
     </p:spTree>
     <p:extLst>
       <p:ext uri="{BB962C8B-B14F-4D97-AF65-F5344CB8AC3E}">
-        <p14:creationId xmlns:p14="http://schemas.microsoft.com/office/powerpoint/2010/main" val="1355924343"/>
+        <p14:creationId xmlns:p14="http://schemas.microsoft.com/office/powerpoint/2010/main" xmlns="" val="1355924343"/>
       </p:ext>
     </p:extLst>
   </p:cSld>
@@ -2560,6 +2581,7 @@
           <a:p>
             <a:fld id="{30D85FBC-F13E-439A-953E-09BD6F5B9663}" type="datetimeFigureOut">
               <a:rPr lang="pt-BR" smtClean="0"/>
+              <a:pPr/>
               <a:t>22/05/2019</a:t>
             </a:fld>
             <a:endParaRPr lang="pt-BR"/>
@@ -2638,6 +2660,7 @@
           <a:p>
             <a:fld id="{42A47D4D-7321-4C7E-8687-4BBF557F580C}" type="slidenum">
               <a:rPr lang="pt-BR" smtClean="0"/>
+              <a:pPr/>
               <a:t>‹nº›</a:t>
             </a:fld>
             <a:endParaRPr lang="pt-BR"/>
@@ -2647,7 +2670,7 @@
     </p:spTree>
     <p:extLst>
       <p:ext uri="{BB962C8B-B14F-4D97-AF65-F5344CB8AC3E}">
-        <p14:creationId xmlns:p14="http://schemas.microsoft.com/office/powerpoint/2010/main" val="1984567867"/>
+        <p14:creationId xmlns:p14="http://schemas.microsoft.com/office/powerpoint/2010/main" xmlns="" val="1984567867"/>
       </p:ext>
     </p:extLst>
   </p:cSld>
@@ -2974,10 +2997,10 @@
           <p:nvPr/>
         </p:nvPicPr>
         <p:blipFill>
-          <a:blip r:embed="rId2">
+          <a:blip r:embed="rId2" cstate="print">
             <a:extLst>
               <a:ext uri="{28A0092B-C50C-407E-A947-70E740481C1C}">
-                <a14:useLocalDpi xmlns:a14="http://schemas.microsoft.com/office/drawing/2010/main" val="0"/>
+                <a14:useLocalDpi xmlns:a14="http://schemas.microsoft.com/office/drawing/2010/main" xmlns="" val="0"/>
               </a:ext>
             </a:extLst>
           </a:blip>
@@ -2987,74 +3010,14 @@
         </p:blipFill>
         <p:spPr>
           <a:xfrm>
-            <a:off x="1590935" y="1553224"/>
-            <a:ext cx="8296275" cy="4371975"/>
+            <a:off x="3289107" y="273064"/>
+            <a:ext cx="8579075" cy="4521005"/>
           </a:xfrm>
           <a:prstGeom prst="rect">
             <a:avLst/>
           </a:prstGeom>
         </p:spPr>
       </p:pic>
-      <p:sp>
-        <p:nvSpPr>
-          <p:cNvPr id="5" name="CaixaDeTexto 4"/>
-          <p:cNvSpPr txBox="1"/>
-          <p:nvPr/>
-        </p:nvSpPr>
-        <p:spPr>
-          <a:xfrm>
-            <a:off x="3984522" y="338203"/>
-            <a:ext cx="3562770" cy="369332"/>
-          </a:xfrm>
-          <a:prstGeom prst="rect">
-            <a:avLst/>
-          </a:prstGeom>
-          <a:noFill/>
-        </p:spPr>
-        <p:txBody>
-          <a:bodyPr wrap="none" rtlCol="0">
-            <a:spAutoFit/>
-          </a:bodyPr>
-          <a:lstStyle/>
-          <a:p>
-            <a:r>
-              <a:rPr lang="pt-BR" b="1" dirty="0" smtClean="0"/>
-              <a:t>Modelo conceitual de Atendimento</a:t>
-            </a:r>
-            <a:endParaRPr lang="pt-BR" b="1" dirty="0"/>
-          </a:p>
-        </p:txBody>
-      </p:sp>
-    </p:spTree>
-    <p:extLst>
-      <p:ext uri="{BB962C8B-B14F-4D97-AF65-F5344CB8AC3E}">
-        <p14:creationId xmlns:p14="http://schemas.microsoft.com/office/powerpoint/2010/main" val="2542280686"/>
-      </p:ext>
-    </p:extLst>
-  </p:cSld>
-  <p:clrMapOvr>
-    <a:masterClrMapping/>
-  </p:clrMapOvr>
-</p:sld>
-</file>
-
-<file path=ppt/slides/slide2.xml><?xml version="1.0" encoding="utf-8"?>
-<p:sld xmlns:a="http://schemas.openxmlformats.org/drawingml/2006/main" xmlns:r="http://schemas.openxmlformats.org/officeDocument/2006/relationships" xmlns:p="http://schemas.openxmlformats.org/presentationml/2006/main">
-  <p:cSld>
-    <p:spTree>
-      <p:nvGrpSpPr>
-        <p:cNvPr id="1" name=""/>
-        <p:cNvGrpSpPr/>
-        <p:nvPr/>
-      </p:nvGrpSpPr>
-      <p:grpSpPr>
-        <a:xfrm>
-          <a:off x="0" y="0"/>
-          <a:ext cx="0" cy="0"/>
-          <a:chOff x="0" y="0"/>
-          <a:chExt cx="0" cy="0"/>
-        </a:xfrm>
-      </p:grpSpPr>
       <p:pic>
         <p:nvPicPr>
           <p:cNvPr id="6" name="Imagem 5"/>
@@ -3064,10 +3027,10 @@
           <p:nvPr/>
         </p:nvPicPr>
         <p:blipFill>
-          <a:blip r:embed="rId2">
+          <a:blip r:embed="rId3" cstate="print">
             <a:extLst>
               <a:ext uri="{28A0092B-C50C-407E-A947-70E740481C1C}">
-                <a14:useLocalDpi xmlns:a14="http://schemas.microsoft.com/office/drawing/2010/main" val="0"/>
+                <a14:useLocalDpi xmlns:a14="http://schemas.microsoft.com/office/drawing/2010/main" xmlns="" val="0"/>
               </a:ext>
             </a:extLst>
           </a:blip>
@@ -3077,48 +3040,18 @@
         </p:blipFill>
         <p:spPr>
           <a:xfrm>
-            <a:off x="3662414" y="713983"/>
-            <a:ext cx="4503804" cy="5806791"/>
+            <a:off x="261258" y="574767"/>
+            <a:ext cx="4650442" cy="5995852"/>
           </a:xfrm>
           <a:prstGeom prst="rect">
             <a:avLst/>
           </a:prstGeom>
         </p:spPr>
       </p:pic>
-      <p:sp>
-        <p:nvSpPr>
-          <p:cNvPr id="7" name="CaixaDeTexto 6"/>
-          <p:cNvSpPr txBox="1"/>
-          <p:nvPr/>
-        </p:nvSpPr>
-        <p:spPr>
-          <a:xfrm>
-            <a:off x="4070959" y="200416"/>
-            <a:ext cx="2990562" cy="369332"/>
-          </a:xfrm>
-          <a:prstGeom prst="rect">
-            <a:avLst/>
-          </a:prstGeom>
-          <a:noFill/>
-        </p:spPr>
-        <p:txBody>
-          <a:bodyPr wrap="none" rtlCol="0">
-            <a:spAutoFit/>
-          </a:bodyPr>
-          <a:lstStyle/>
-          <a:p>
-            <a:r>
-              <a:rPr lang="pt-BR" b="1" dirty="0" smtClean="0"/>
-              <a:t>Modelo conceitual de Reparo</a:t>
-            </a:r>
-            <a:endParaRPr lang="pt-BR" b="1" dirty="0"/>
-          </a:p>
-        </p:txBody>
-      </p:sp>
     </p:spTree>
     <p:extLst>
       <p:ext uri="{BB962C8B-B14F-4D97-AF65-F5344CB8AC3E}">
-        <p14:creationId xmlns:p14="http://schemas.microsoft.com/office/powerpoint/2010/main" val="2117290865"/>
+        <p14:creationId xmlns:p14="http://schemas.microsoft.com/office/powerpoint/2010/main" xmlns="" val="2542280686"/>
       </p:ext>
     </p:extLst>
   </p:cSld>
@@ -3171,7 +3104,7 @@
     </a:clrScheme>
     <a:fontScheme name="Escritório">
       <a:majorFont>
-        <a:latin typeface="Calibri Light" panose="020F0302020204030204"/>
+        <a:latin typeface="Calibri Light"/>
         <a:ea typeface=""/>
         <a:cs typeface=""/>
         <a:font script="Jpan" typeface="ＭＳ Ｐゴシック"/>
@@ -3206,7 +3139,7 @@
         <a:font script="Geor" typeface="Sylfaen"/>
       </a:majorFont>
       <a:minorFont>
-        <a:latin typeface="Calibri" panose="020F0502020204030204"/>
+        <a:latin typeface="Calibri"/>
         <a:ea typeface=""/>
         <a:cs typeface=""/>
         <a:font script="Jpan" typeface="ＭＳ Ｐゴシック"/>
@@ -3383,7 +3316,7 @@
   <a:extraClrSchemeLst/>
   <a:extLst>
     <a:ext uri="{05A4C25C-085E-4340-85A3-A5531E510DB2}">
-      <thm15:themeFamily xmlns:thm15="http://schemas.microsoft.com/office/thememl/2012/main" name="Office Theme" id="{62F939B6-93AF-4DB8-9C6B-D6C7DFDC589F}" vid="{4A3C46E8-61CC-4603-A589-7422A47A8E4A}"/>
+      <thm15:themeFamily xmlns:thm15="http://schemas.microsoft.com/office/thememl/2012/main" xmlns="" name="Office Theme" id="{62F939B6-93AF-4DB8-9C6B-D6C7DFDC589F}" vid="{4A3C46E8-61CC-4603-A589-7422A47A8E4A}"/>
     </a:ext>
   </a:extLst>
 </a:theme>
